--- a/[presentation/[12]Storage.pptx
+++ b/[presentation/[12]Storage.pptx
@@ -209,7 +209,7 @@
           <a:p>
             <a:fld id="{CDF36626-A974-410B-8C39-F4B850D10DA9}" type="datetimeFigureOut">
               <a:rPr lang="en-US" smtClean="0"/>
-              <a:t>12/7/2014</a:t>
+              <a:t>12/11/2014</a:t>
             </a:fld>
             <a:endParaRPr lang="en-US"/>
           </a:p>
@@ -2811,7 +2811,7 @@
           <a:p>
             <a:fld id="{530820CF-B880-4189-942D-D702A7CBA730}" type="datetimeFigureOut">
               <a:rPr lang="zh-CN" altLang="en-US" smtClean="0"/>
-              <a:t>2014/12/7</a:t>
+              <a:t>2014/12/11</a:t>
             </a:fld>
             <a:endParaRPr lang="zh-CN" altLang="en-US"/>
           </a:p>
@@ -2976,7 +2976,7 @@
           <a:p>
             <a:fld id="{530820CF-B880-4189-942D-D702A7CBA730}" type="datetimeFigureOut">
               <a:rPr lang="zh-CN" altLang="en-US" smtClean="0"/>
-              <a:t>2014/12/7</a:t>
+              <a:t>2014/12/11</a:t>
             </a:fld>
             <a:endParaRPr lang="zh-CN" altLang="en-US"/>
           </a:p>
@@ -3151,7 +3151,7 @@
           <a:p>
             <a:fld id="{530820CF-B880-4189-942D-D702A7CBA730}" type="datetimeFigureOut">
               <a:rPr lang="zh-CN" altLang="en-US" smtClean="0"/>
-              <a:t>2014/12/7</a:t>
+              <a:t>2014/12/11</a:t>
             </a:fld>
             <a:endParaRPr lang="zh-CN" altLang="en-US"/>
           </a:p>
@@ -3316,7 +3316,7 @@
           <a:p>
             <a:fld id="{530820CF-B880-4189-942D-D702A7CBA730}" type="datetimeFigureOut">
               <a:rPr lang="zh-CN" altLang="en-US" smtClean="0"/>
-              <a:t>2014/12/7</a:t>
+              <a:t>2014/12/11</a:t>
             </a:fld>
             <a:endParaRPr lang="zh-CN" altLang="en-US"/>
           </a:p>
@@ -3557,7 +3557,7 @@
           <a:p>
             <a:fld id="{530820CF-B880-4189-942D-D702A7CBA730}" type="datetimeFigureOut">
               <a:rPr lang="zh-CN" altLang="en-US" smtClean="0"/>
-              <a:t>2014/12/7</a:t>
+              <a:t>2014/12/11</a:t>
             </a:fld>
             <a:endParaRPr lang="zh-CN" altLang="en-US"/>
           </a:p>
@@ -3840,7 +3840,7 @@
           <a:p>
             <a:fld id="{530820CF-B880-4189-942D-D702A7CBA730}" type="datetimeFigureOut">
               <a:rPr lang="zh-CN" altLang="en-US" smtClean="0"/>
-              <a:t>2014/12/7</a:t>
+              <a:t>2014/12/11</a:t>
             </a:fld>
             <a:endParaRPr lang="zh-CN" altLang="en-US"/>
           </a:p>
@@ -4257,7 +4257,7 @@
           <a:p>
             <a:fld id="{530820CF-B880-4189-942D-D702A7CBA730}" type="datetimeFigureOut">
               <a:rPr lang="zh-CN" altLang="en-US" smtClean="0"/>
-              <a:t>2014/12/7</a:t>
+              <a:t>2014/12/11</a:t>
             </a:fld>
             <a:endParaRPr lang="zh-CN" altLang="en-US"/>
           </a:p>
@@ -4370,7 +4370,7 @@
           <a:p>
             <a:fld id="{530820CF-B880-4189-942D-D702A7CBA730}" type="datetimeFigureOut">
               <a:rPr lang="zh-CN" altLang="en-US" smtClean="0"/>
-              <a:t>2014/12/7</a:t>
+              <a:t>2014/12/11</a:t>
             </a:fld>
             <a:endParaRPr lang="zh-CN" altLang="en-US"/>
           </a:p>
@@ -4460,7 +4460,7 @@
           <a:p>
             <a:fld id="{530820CF-B880-4189-942D-D702A7CBA730}" type="datetimeFigureOut">
               <a:rPr lang="zh-CN" altLang="en-US" smtClean="0"/>
-              <a:t>2014/12/7</a:t>
+              <a:t>2014/12/11</a:t>
             </a:fld>
             <a:endParaRPr lang="zh-CN" altLang="en-US"/>
           </a:p>
@@ -4732,7 +4732,7 @@
           <a:p>
             <a:fld id="{530820CF-B880-4189-942D-D702A7CBA730}" type="datetimeFigureOut">
               <a:rPr lang="zh-CN" altLang="en-US" smtClean="0"/>
-              <a:t>2014/12/7</a:t>
+              <a:t>2014/12/11</a:t>
             </a:fld>
             <a:endParaRPr lang="zh-CN" altLang="en-US"/>
           </a:p>
@@ -4980,7 +4980,7 @@
           <a:p>
             <a:fld id="{530820CF-B880-4189-942D-D702A7CBA730}" type="datetimeFigureOut">
               <a:rPr lang="zh-CN" altLang="en-US" smtClean="0"/>
-              <a:t>2014/12/7</a:t>
+              <a:t>2014/12/11</a:t>
             </a:fld>
             <a:endParaRPr lang="zh-CN" altLang="en-US"/>
           </a:p>
@@ -5188,7 +5188,7 @@
           <a:p>
             <a:fld id="{530820CF-B880-4189-942D-D702A7CBA730}" type="datetimeFigureOut">
               <a:rPr lang="zh-CN" altLang="en-US" smtClean="0"/>
-              <a:t>2014/12/7</a:t>
+              <a:t>2014/12/11</a:t>
             </a:fld>
             <a:endParaRPr lang="zh-CN" altLang="en-US"/>
           </a:p>
@@ -5764,7 +5764,23 @@
             </a:r>
             <a:r>
               <a:rPr lang="en-US" dirty="0"/>
-              <a:t>session only. After the user closes the browser window, records stored are automatically. Its data cannot be passed from one tab to the next</a:t>
+              <a:t>session only. After the user closes the browser window, records stored are </a:t>
+            </a:r>
+            <a:r>
+              <a:rPr lang="en-US" dirty="0" smtClean="0"/>
+              <a:t>automatically </a:t>
+            </a:r>
+            <a:r>
+              <a:rPr lang="en-US" dirty="0" smtClean="0"/>
+              <a:t>deleted</a:t>
+            </a:r>
+            <a:r>
+              <a:rPr lang="en-US" dirty="0" smtClean="0"/>
+              <a:t>. </a:t>
+            </a:r>
+            <a:r>
+              <a:rPr lang="en-US" dirty="0"/>
+              <a:t>Its data cannot be passed from one tab to the next</a:t>
             </a:r>
           </a:p>
         </p:txBody>
@@ -7300,7 +7316,15 @@
           <a:p>
             <a:r>
               <a:rPr lang="en-US" dirty="0" smtClean="0"/>
-              <a:t>Create a web application that can maintain a “books” table(</a:t>
+              <a:t>Create a web application that can maintain a </a:t>
+            </a:r>
+            <a:r>
+              <a:rPr lang="en-US" dirty="0" smtClean="0"/>
+              <a:t>“customer” </a:t>
+            </a:r>
+            <a:r>
+              <a:rPr lang="en-US" dirty="0" smtClean="0"/>
+              <a:t>table(</a:t>
             </a:r>
             <a:r>
               <a:rPr lang="en-US" dirty="0" err="1" smtClean="0"/>
@@ -7321,12 +7345,6 @@
               <a:t>IndexedDB</a:t>
             </a:r>
             <a:endParaRPr lang="en-US" dirty="0"/>
-          </a:p>
-          <a:p>
-            <a:r>
-              <a:rPr lang="en-US" dirty="0" smtClean="0"/>
-              <a:t>Several pages and styled UI</a:t>
-            </a:r>
           </a:p>
         </p:txBody>
       </p:sp>
@@ -7527,13 +7545,8 @@
           <a:p>
             <a:r>
               <a:rPr lang="en-US" dirty="0" smtClean="0"/>
-              <a:t>Size </a:t>
-            </a:r>
-            <a:r>
-              <a:rPr lang="en-US" dirty="0" smtClean="0"/>
-              <a:t>limitation(4KB)</a:t>
-            </a:r>
-            <a:endParaRPr lang="en-US" dirty="0" smtClean="0"/>
+              <a:t>Size limitation(4KB)</a:t>
+            </a:r>
           </a:p>
           <a:p>
             <a:r>
